--- a/internal/slides/pptx/VS-Code.pptx
+++ b/internal/slides/pptx/VS-Code.pptx
@@ -119,6 +119,11 @@
       </a:defRPr>
     </a:lvl9pPr>
   </p:defaultTextStyle>
+  <p:extLst>
+    <p:ext uri="{EFAFB233-063F-42B5-8137-9DF3F51BA10A}">
+      <p15:sldGuideLst xmlns:p15="http://schemas.microsoft.com/office/powerpoint/2012/main"/>
+    </p:ext>
+  </p:extLst>
 </p:presentation>
 </file>
 
@@ -204,7 +209,7 @@
           <a:p>
             <a:fld id="{CD050073-2E64-4BE8-BB55-0FFD65A38EA4}" type="datetimeFigureOut">
               <a:rPr lang="de-AT" smtClean="0"/>
-              <a:t>28.04.2023</a:t>
+              <a:t>05.05.2023</a:t>
             </a:fld>
             <a:endParaRPr lang="de-AT"/>
           </a:p>
@@ -938,7 +943,7 @@
           <a:p>
             <a:fld id="{4223AC78-9364-4583-AD3F-3164A13FA972}" type="datetimeFigureOut">
               <a:rPr lang="de-AT" smtClean="0"/>
-              <a:t>28.04.2023</a:t>
+              <a:t>05.05.2023</a:t>
             </a:fld>
             <a:endParaRPr lang="de-AT"/>
           </a:p>
@@ -1268,7 +1273,7 @@
           <a:p>
             <a:fld id="{4223AC78-9364-4583-AD3F-3164A13FA972}" type="datetimeFigureOut">
               <a:rPr lang="de-AT" smtClean="0"/>
-              <a:t>28.04.2023</a:t>
+              <a:t>05.05.2023</a:t>
             </a:fld>
             <a:endParaRPr lang="de-AT"/>
           </a:p>
@@ -1448,7 +1453,7 @@
           <a:p>
             <a:fld id="{4223AC78-9364-4583-AD3F-3164A13FA972}" type="datetimeFigureOut">
               <a:rPr lang="de-AT" smtClean="0"/>
-              <a:t>28.04.2023</a:t>
+              <a:t>05.05.2023</a:t>
             </a:fld>
             <a:endParaRPr lang="de-AT"/>
           </a:p>
@@ -1618,7 +1623,7 @@
           <a:p>
             <a:fld id="{4223AC78-9364-4583-AD3F-3164A13FA972}" type="datetimeFigureOut">
               <a:rPr lang="de-AT" smtClean="0"/>
-              <a:t>28.04.2023</a:t>
+              <a:t>05.05.2023</a:t>
             </a:fld>
             <a:endParaRPr lang="de-AT"/>
           </a:p>
@@ -1895,7 +1900,7 @@
           <a:p>
             <a:fld id="{4223AC78-9364-4583-AD3F-3164A13FA972}" type="datetimeFigureOut">
               <a:rPr lang="de-AT" smtClean="0"/>
-              <a:t>28.04.2023</a:t>
+              <a:t>05.05.2023</a:t>
             </a:fld>
             <a:endParaRPr lang="de-AT"/>
           </a:p>
@@ -2289,7 +2294,7 @@
           <a:p>
             <a:fld id="{4223AC78-9364-4583-AD3F-3164A13FA972}" type="datetimeFigureOut">
               <a:rPr lang="de-AT" smtClean="0"/>
-              <a:t>28.04.2023</a:t>
+              <a:t>05.05.2023</a:t>
             </a:fld>
             <a:endParaRPr lang="de-AT"/>
           </a:p>
@@ -2766,7 +2771,7 @@
           <a:p>
             <a:fld id="{4223AC78-9364-4583-AD3F-3164A13FA972}" type="datetimeFigureOut">
               <a:rPr lang="de-AT" smtClean="0"/>
-              <a:t>28.04.2023</a:t>
+              <a:t>05.05.2023</a:t>
             </a:fld>
             <a:endParaRPr lang="de-AT"/>
           </a:p>
@@ -2884,7 +2889,7 @@
           <a:p>
             <a:fld id="{4223AC78-9364-4583-AD3F-3164A13FA972}" type="datetimeFigureOut">
               <a:rPr lang="de-AT" smtClean="0"/>
-              <a:t>28.04.2023</a:t>
+              <a:t>05.05.2023</a:t>
             </a:fld>
             <a:endParaRPr lang="de-AT"/>
           </a:p>
@@ -2979,7 +2984,7 @@
           <a:p>
             <a:fld id="{4223AC78-9364-4583-AD3F-3164A13FA972}" type="datetimeFigureOut">
               <a:rPr lang="de-AT" smtClean="0"/>
-              <a:t>28.04.2023</a:t>
+              <a:t>05.05.2023</a:t>
             </a:fld>
             <a:endParaRPr lang="de-AT"/>
           </a:p>
@@ -3325,7 +3330,7 @@
           <a:p>
             <a:fld id="{4223AC78-9364-4583-AD3F-3164A13FA972}" type="datetimeFigureOut">
               <a:rPr lang="de-AT" smtClean="0"/>
-              <a:t>28.04.2023</a:t>
+              <a:t>05.05.2023</a:t>
             </a:fld>
             <a:endParaRPr lang="de-AT"/>
           </a:p>
@@ -3713,7 +3718,7 @@
           <a:p>
             <a:fld id="{4223AC78-9364-4583-AD3F-3164A13FA972}" type="datetimeFigureOut">
               <a:rPr lang="de-AT" smtClean="0"/>
-              <a:t>28.04.2023</a:t>
+              <a:t>05.05.2023</a:t>
             </a:fld>
             <a:endParaRPr lang="de-AT"/>
           </a:p>
@@ -3991,7 +3996,7 @@
           <a:p>
             <a:fld id="{4223AC78-9364-4583-AD3F-3164A13FA972}" type="datetimeFigureOut">
               <a:rPr lang="de-AT" smtClean="0"/>
-              <a:t>28.04.2023</a:t>
+              <a:t>05.05.2023</a:t>
             </a:fld>
             <a:endParaRPr lang="de-AT"/>
           </a:p>
@@ -5538,10 +5543,10 @@
           <a:lstStyle/>
           <a:p>
             <a:r>
-              <a:rPr lang="de-DE" dirty="0"/>
+              <a:rPr lang="de-DE" sz="4400" dirty="0"/>
               <a:t>Erweiterungen</a:t>
             </a:r>
-            <a:endParaRPr lang="de-AT" dirty="0"/>
+            <a:endParaRPr lang="de-AT" sz="4400" dirty="0"/>
           </a:p>
         </p:txBody>
       </p:sp>
